--- a/[SJSH14]lec1_linkedlist/linkedList.pptx
+++ b/[SJSH14]lec1_linkedlist/linkedList.pptx
@@ -26,25 +26,25 @@
   <p:notesSz cx="6858000" cy="9144000"/>
   <p:embeddedFontLst>
     <p:embeddedFont>
-      <p:font typeface="나눔바른고딕" panose="020B0603020101020101" pitchFamily="50" charset="-127"/>
+      <p:font typeface="Consolas" panose="020B0609020204030204" pitchFamily="49" charset="0"/>
       <p:regular r:id="rId16"/>
       <p:bold r:id="rId17"/>
+      <p:italic r:id="rId18"/>
+      <p:boldItalic r:id="rId19"/>
+    </p:embeddedFont>
+    <p:embeddedFont>
+      <p:font typeface="나눔바른고딕" panose="020B0603020101020101" pitchFamily="50" charset="-127"/>
+      <p:regular r:id="rId20"/>
+      <p:bold r:id="rId21"/>
     </p:embeddedFont>
     <p:embeddedFont>
       <p:font typeface="나눔바른고딕 Light" panose="020B0603020101020101" pitchFamily="50" charset="-127"/>
-      <p:regular r:id="rId18"/>
+      <p:regular r:id="rId22"/>
     </p:embeddedFont>
     <p:embeddedFont>
       <p:font typeface="맑은 고딕" panose="020B0503020000020004" pitchFamily="50" charset="-127"/>
-      <p:regular r:id="rId19"/>
-      <p:bold r:id="rId20"/>
-    </p:embeddedFont>
-    <p:embeddedFont>
-      <p:font typeface="Consolas" panose="020B0609020204030204" pitchFamily="49" charset="0"/>
-      <p:regular r:id="rId21"/>
-      <p:bold r:id="rId22"/>
-      <p:italic r:id="rId23"/>
-      <p:boldItalic r:id="rId24"/>
+      <p:regular r:id="rId23"/>
+      <p:bold r:id="rId24"/>
     </p:embeddedFont>
   </p:embeddedFontLst>
   <p:defaultTextStyle>
@@ -3872,6 +3872,12 @@
             </a:endParaRPr>
           </a:p>
           <a:p>
+            <a:endParaRPr lang="en-US" altLang="ko-KR" dirty="0">
+              <a:latin typeface="나눔바른고딕" panose="020B0603020101020101" pitchFamily="50" charset="-127"/>
+              <a:ea typeface="나눔바른고딕" panose="020B0603020101020101" pitchFamily="50" charset="-127"/>
+            </a:endParaRPr>
+          </a:p>
+          <a:p>
             <a:endParaRPr lang="ko-KR" altLang="en-US" dirty="0">
               <a:latin typeface="나눔바른고딕" panose="020B0603020101020101" pitchFamily="50" charset="-127"/>
               <a:ea typeface="나눔바른고딕" panose="020B0603020101020101" pitchFamily="50" charset="-127"/>
@@ -5643,7 +5649,7 @@
                 <a:latin typeface="나눔바른고딕" panose="020B0603020101020101" pitchFamily="50" charset="-127"/>
                 <a:ea typeface="나눔바른고딕" panose="020B0603020101020101" pitchFamily="50" charset="-127"/>
               </a:rPr>
-              <a:t>출처</a:t>
+              <a:t>출처 및 외부 링크</a:t>
             </a:r>
           </a:p>
         </p:txBody>
@@ -5695,7 +5701,9 @@
         </p:nvSpPr>
         <p:spPr/>
         <p:txBody>
-          <a:bodyPr/>
+          <a:bodyPr>
+            <a:normAutofit/>
+          </a:bodyPr>
           <a:lstStyle/>
           <a:p>
             <a:r>
@@ -5742,6 +5750,31 @@
               <a:rPr lang="en-US" altLang="ko-KR" sz="2000" dirty="0"/>
               <a:t>.</a:t>
             </a:r>
+          </a:p>
+          <a:p>
+            <a:r>
+              <a:rPr lang="ko-KR" altLang="en-US" sz="2000" dirty="0"/>
+              <a:t>자세한 내용이 알고 싶다면</a:t>
+            </a:r>
+            <a:r>
+              <a:rPr lang="en-US" altLang="ko-KR" sz="2000" dirty="0"/>
+              <a:t>? </a:t>
+            </a:r>
+            <a:r>
+              <a:rPr lang="en-US" altLang="ko-KR" sz="2000" dirty="0">
+                <a:hlinkClick r:id="rId5"/>
+              </a:rPr>
+              <a:t>https://www.geeksforgeeks.org/linked-list-set-1-introduction/</a:t>
+            </a:r>
+            <a:r>
+              <a:rPr lang="en-US" altLang="ko-KR" sz="2000" dirty="0"/>
+              <a:t> </a:t>
+            </a:r>
+            <a:r>
+              <a:rPr lang="ko-KR" altLang="en-US" sz="2000" dirty="0"/>
+              <a:t>참고</a:t>
+            </a:r>
+            <a:endParaRPr lang="en-US" altLang="ko-KR" sz="2000" dirty="0"/>
           </a:p>
           <a:p>
             <a:pPr marL="0" indent="0">
@@ -5755,23 +5788,21 @@
           <a:p>
             <a:r>
               <a:rPr lang="ko-KR" altLang="en-US" sz="2000" dirty="0"/>
-              <a:t>이 </a:t>
+              <a:t>강의자료와 코드는 </a:t>
+            </a:r>
+            <a:r>
+              <a:rPr lang="en-US" altLang="ko-KR" sz="2000" dirty="0">
+                <a:hlinkClick r:id="rId6"/>
+              </a:rPr>
+              <a:t>https://github.com/asmath472/Lecture_Note/tree/main/%5BSJSH14%5Dlec1_linkedlist</a:t>
             </a:r>
             <a:r>
               <a:rPr lang="en-US" altLang="ko-KR" sz="2000" dirty="0"/>
-              <a:t>PPT</a:t>
+              <a:t> </a:t>
             </a:r>
             <a:r>
               <a:rPr lang="ko-KR" altLang="en-US" sz="2000" dirty="0"/>
-              <a:t>는 </a:t>
-            </a:r>
-            <a:r>
-              <a:rPr lang="en-US" altLang="ko-KR" sz="2000" dirty="0"/>
-              <a:t>CC-BY-NC </a:t>
-            </a:r>
-            <a:r>
-              <a:rPr lang="ko-KR" altLang="en-US" sz="2000" dirty="0"/>
-              <a:t>가 적용됩니다</a:t>
+              <a:t>에서 자유롭게 다운로드 할 수 있습니다</a:t>
             </a:r>
             <a:r>
               <a:rPr lang="en-US" altLang="ko-KR" sz="2000" dirty="0"/>
@@ -5779,10 +5810,70 @@
             </a:r>
           </a:p>
           <a:p>
+            <a:pPr marL="0" indent="0">
+              <a:buNone/>
+            </a:pPr>
             <a:endParaRPr lang="en-US" altLang="ko-KR" sz="2000" dirty="0"/>
           </a:p>
           <a:p>
+            <a:endParaRPr lang="en-US" altLang="ko-KR" sz="2000" dirty="0"/>
+          </a:p>
+          <a:p>
             <a:endParaRPr lang="ko-KR" altLang="en-US" dirty="0"/>
+          </a:p>
+        </p:txBody>
+      </p:sp>
+      <p:sp>
+        <p:nvSpPr>
+          <p:cNvPr id="3" name="직사각형 2">
+            <a:extLst>
+              <a:ext uri="{FF2B5EF4-FFF2-40B4-BE49-F238E27FC236}">
+                <a16:creationId xmlns:a16="http://schemas.microsoft.com/office/drawing/2014/main" id="{82F2C164-4FCD-46BE-B70D-5BC8F76D3DD2}"/>
+              </a:ext>
+            </a:extLst>
+          </p:cNvPr>
+          <p:cNvSpPr/>
+          <p:nvPr/>
+        </p:nvSpPr>
+        <p:spPr>
+          <a:xfrm>
+            <a:off x="6648922" y="5712659"/>
+            <a:ext cx="4704878" cy="369332"/>
+          </a:xfrm>
+          <a:prstGeom prst="rect">
+            <a:avLst/>
+          </a:prstGeom>
+        </p:spPr>
+        <p:txBody>
+          <a:bodyPr wrap="none">
+            <a:spAutoFit/>
+          </a:bodyPr>
+          <a:lstStyle/>
+          <a:p>
+            <a:r>
+              <a:rPr lang="ko-KR" altLang="en-US" dirty="0"/>
+              <a:t>이 </a:t>
+            </a:r>
+            <a:r>
+              <a:rPr lang="en-US" altLang="ko-KR" dirty="0"/>
+              <a:t>PPT </a:t>
+            </a:r>
+            <a:r>
+              <a:rPr lang="ko-KR" altLang="en-US" dirty="0"/>
+              <a:t>및 코드는 </a:t>
+            </a:r>
+            <a:r>
+              <a:rPr lang="en-US" altLang="ko-KR" dirty="0"/>
+              <a:t>CC-BY-NC </a:t>
+            </a:r>
+            <a:r>
+              <a:rPr lang="ko-KR" altLang="en-US" dirty="0"/>
+              <a:t>가 적용됩니다</a:t>
+            </a:r>
+            <a:r>
+              <a:rPr lang="en-US" altLang="ko-KR" dirty="0"/>
+              <a:t>.</a:t>
+            </a:r>
           </a:p>
         </p:txBody>
       </p:sp>
